--- a/public/friend/Comparison of Two Powerful Laravel Packages for Image and Media Managemen.pptx
+++ b/public/friend/Comparison of Two Powerful Laravel Packages for Image and Media Managemen.pptx
@@ -6345,8 +6345,8 @@
         </p:nvSpPr>
         <p:spPr>
           <a:xfrm>
-            <a:off x="1621790" y="1110615"/>
-            <a:ext cx="6223635" cy="2446020"/>
+            <a:off x="1292860" y="1440180"/>
+            <a:ext cx="6123305" cy="2274570"/>
           </a:xfrm>
         </p:spPr>
         <p:txBody>
@@ -6355,7 +6355,7 @@
           <a:p>
             <a:r>
               <a:rPr lang="en-US" dirty="0"/>
-              <a:t> Spatie Media Library Vs Intervention Package</a:t>
+              <a:t> Spatie Media Library And Intervention Package</a:t>
             </a:r>
             <a:endParaRPr lang="en-US" dirty="0"/>
           </a:p>
@@ -6386,12 +6386,8 @@
             <a:pPr algn="l"/>
             <a:r>
               <a:rPr lang="en-US" dirty="0" smtClean="0"/>
-              <a:t>Presented By:</a:t>
-            </a:r>
-            <a:endParaRPr lang="en-US" dirty="0" smtClean="0"/>
-          </a:p>
-          <a:p>
-            <a:pPr algn="l"/>
+              <a:t>Presented By: </a:t>
+            </a:r>
             <a:r>
               <a:rPr lang="en-US" dirty="0" err="1" smtClean="0"/>
               <a:t>Bishnu</a:t>
@@ -6493,7 +6489,7 @@
           <a:p>
             <a:r>
               <a:rPr lang="en-US" dirty="0" smtClean="0"/>
-              <a:t>Advantages of Spatie Media Library over Intervention Package</a:t>
+              <a:t>Advantages of Spatie Media Library</a:t>
             </a:r>
             <a:endParaRPr lang="en-US" dirty="0" smtClean="0"/>
           </a:p>
@@ -6502,13 +6498,7 @@
               <a:rPr lang="en-US" dirty="0">
                 <a:sym typeface="+mn-ea"/>
               </a:rPr>
-              <a:t>Advantages of Intervention Package over Spatie Media </a:t>
-            </a:r>
-            <a:r>
-              <a:rPr lang="en-US" dirty="0">
-                <a:sym typeface="+mn-ea"/>
-              </a:rPr>
-              <a:t>Library</a:t>
+              <a:t>Advantages of Intervention Package</a:t>
             </a:r>
             <a:endParaRPr lang="en-US" dirty="0">
               <a:sym typeface="+mn-ea"/>
@@ -6895,7 +6885,7 @@
           <a:p>
             <a:r>
               <a:rPr lang="en-US" dirty="0"/>
-              <a:t>Advantages of Spatie Media Library over Intervention Package</a:t>
+              <a:t>Advantages of Spatie Media Library </a:t>
             </a:r>
             <a:endParaRPr lang="en-US" dirty="0"/>
           </a:p>
@@ -6913,7 +6903,9 @@
         </p:nvSpPr>
         <p:spPr/>
         <p:txBody>
-          <a:bodyPr/>
+          <a:bodyPr>
+            <a:normAutofit lnSpcReduction="10000"/>
+          </a:bodyPr>
           <a:lstStyle/>
           <a:p>
             <a:pPr lvl="0"/>
@@ -6959,7 +6951,7 @@
             <a:pPr lvl="0"/>
             <a:r>
               <a:rPr lang="en-US" dirty="0"/>
-              <a:t>Active Development and Community Support</a:t>
+              <a:t>Some Methods are addMedia, getMedia, hasMedia, getFirstMedia, etc.</a:t>
             </a:r>
             <a:endParaRPr lang="en-US" dirty="0"/>
           </a:p>
@@ -7047,13 +7039,7 @@
           <a:p>
             <a:r>
               <a:rPr lang="en-US" dirty="0"/>
-              <a:t>Advantages of Intervention Package over Spatie Media </a:t>
-            </a:r>
-            <a:r>
-              <a:rPr lang="en-US" dirty="0">
-                <a:sym typeface="+mn-ea"/>
-              </a:rPr>
-              <a:t>Library </a:t>
+              <a:t>Advantages of Intervention Package</a:t>
             </a:r>
             <a:br>
               <a:rPr lang="en-US" dirty="0"/>
@@ -7124,6 +7110,13 @@
             <a:r>
               <a:rPr lang="en-US"/>
               <a:t>Good Performance</a:t>
+            </a:r>
+            <a:endParaRPr lang="en-US"/>
+          </a:p>
+          <a:p>
+            <a:r>
+              <a:rPr lang="en-US"/>
+              <a:t>Some Methods are resize, crop, filter, encode etc.</a:t>
             </a:r>
             <a:endParaRPr lang="en-US"/>
           </a:p>
@@ -7219,11 +7212,20 @@
         </p:nvSpPr>
         <p:spPr/>
         <p:txBody>
-          <a:bodyPr/>
+          <a:bodyPr>
+            <a:normAutofit lnSpcReduction="20000"/>
+          </a:bodyPr>
           <a:p>
             <a:r>
               <a:rPr lang="en-US"/>
               <a:t>Primary Focus</a:t>
+            </a:r>
+            <a:endParaRPr lang="en-US"/>
+          </a:p>
+          <a:p>
+            <a:r>
+              <a:rPr lang="en-US"/>
+              <a:t>Spatie Media Library and Intervention Image package serve different purposes and have unique functionalities.</a:t>
             </a:r>
             <a:endParaRPr lang="en-US"/>
           </a:p>
@@ -7319,7 +7321,7 @@
             <a:pPr algn="ctr"/>
             <a:r>
               <a:rPr lang="en-US" dirty="0" smtClean="0"/>
-              <a:t>Thank You</a:t>
+              <a:t>Thank You!</a:t>
             </a:r>
             <a:endParaRPr lang="en-US" dirty="0"/>
           </a:p>
